--- a/Breakout Unit 3.pptx
+++ b/Breakout Unit 3.pptx
@@ -9,6 +9,7 @@
     <p:sldId id="257" r:id="rId3"/>
     <p:sldId id="258" r:id="rId4"/>
     <p:sldId id="259" r:id="rId5"/>
+    <p:sldId id="260" r:id="rId6"/>
   </p:sldIdLst>
   <p:sldSz cx="9144000" cy="6858000" type="screen4x3"/>
   <p:notesSz cx="6858000" cy="9144000"/>
@@ -107,6 +108,11 @@
       </a:defRPr>
     </a:lvl9pPr>
   </p:defaultTextStyle>
+  <p:extLst>
+    <p:ext uri="{EFAFB233-063F-42B5-8137-9DF3F51BA10A}">
+      <p15:sldGuideLst xmlns:p15="http://schemas.microsoft.com/office/powerpoint/2012/main"/>
+    </p:ext>
+  </p:extLst>
 </p:presentation>
 </file>
 
@@ -241,7 +247,7 @@
           <a:p>
             <a:fld id="{4E223589-D1FE-5045-809F-56B69D3AD8BF}" type="datetimeFigureOut">
               <a:rPr lang="en-US" smtClean="0"/>
-              <a:t>9/15/18</a:t>
+              <a:t>1/24/19</a:t>
             </a:fld>
             <a:endParaRPr lang="en-US"/>
           </a:p>
@@ -411,7 +417,7 @@
           <a:p>
             <a:fld id="{4E223589-D1FE-5045-809F-56B69D3AD8BF}" type="datetimeFigureOut">
               <a:rPr lang="en-US" smtClean="0"/>
-              <a:t>9/15/18</a:t>
+              <a:t>1/24/19</a:t>
             </a:fld>
             <a:endParaRPr lang="en-US"/>
           </a:p>
@@ -591,7 +597,7 @@
           <a:p>
             <a:fld id="{4E223589-D1FE-5045-809F-56B69D3AD8BF}" type="datetimeFigureOut">
               <a:rPr lang="en-US" smtClean="0"/>
-              <a:t>9/15/18</a:t>
+              <a:t>1/24/19</a:t>
             </a:fld>
             <a:endParaRPr lang="en-US"/>
           </a:p>
@@ -761,7 +767,7 @@
           <a:p>
             <a:fld id="{4E223589-D1FE-5045-809F-56B69D3AD8BF}" type="datetimeFigureOut">
               <a:rPr lang="en-US" smtClean="0"/>
-              <a:t>9/15/18</a:t>
+              <a:t>1/24/19</a:t>
             </a:fld>
             <a:endParaRPr lang="en-US"/>
           </a:p>
@@ -1005,7 +1011,7 @@
           <a:p>
             <a:fld id="{4E223589-D1FE-5045-809F-56B69D3AD8BF}" type="datetimeFigureOut">
               <a:rPr lang="en-US" smtClean="0"/>
-              <a:t>9/15/18</a:t>
+              <a:t>1/24/19</a:t>
             </a:fld>
             <a:endParaRPr lang="en-US"/>
           </a:p>
@@ -1237,7 +1243,7 @@
           <a:p>
             <a:fld id="{4E223589-D1FE-5045-809F-56B69D3AD8BF}" type="datetimeFigureOut">
               <a:rPr lang="en-US" smtClean="0"/>
-              <a:t>9/15/18</a:t>
+              <a:t>1/24/19</a:t>
             </a:fld>
             <a:endParaRPr lang="en-US"/>
           </a:p>
@@ -1604,7 +1610,7 @@
           <a:p>
             <a:fld id="{4E223589-D1FE-5045-809F-56B69D3AD8BF}" type="datetimeFigureOut">
               <a:rPr lang="en-US" smtClean="0"/>
-              <a:t>9/15/18</a:t>
+              <a:t>1/24/19</a:t>
             </a:fld>
             <a:endParaRPr lang="en-US"/>
           </a:p>
@@ -1722,7 +1728,7 @@
           <a:p>
             <a:fld id="{4E223589-D1FE-5045-809F-56B69D3AD8BF}" type="datetimeFigureOut">
               <a:rPr lang="en-US" smtClean="0"/>
-              <a:t>9/15/18</a:t>
+              <a:t>1/24/19</a:t>
             </a:fld>
             <a:endParaRPr lang="en-US"/>
           </a:p>
@@ -1817,7 +1823,7 @@
           <a:p>
             <a:fld id="{4E223589-D1FE-5045-809F-56B69D3AD8BF}" type="datetimeFigureOut">
               <a:rPr lang="en-US" smtClean="0"/>
-              <a:t>9/15/18</a:t>
+              <a:t>1/24/19</a:t>
             </a:fld>
             <a:endParaRPr lang="en-US"/>
           </a:p>
@@ -2094,7 +2100,7 @@
           <a:p>
             <a:fld id="{4E223589-D1FE-5045-809F-56B69D3AD8BF}" type="datetimeFigureOut">
               <a:rPr lang="en-US" smtClean="0"/>
-              <a:t>9/15/18</a:t>
+              <a:t>1/24/19</a:t>
             </a:fld>
             <a:endParaRPr lang="en-US"/>
           </a:p>
@@ -2351,7 +2357,7 @@
           <a:p>
             <a:fld id="{4E223589-D1FE-5045-809F-56B69D3AD8BF}" type="datetimeFigureOut">
               <a:rPr lang="en-US" smtClean="0"/>
-              <a:t>9/15/18</a:t>
+              <a:t>1/24/19</a:t>
             </a:fld>
             <a:endParaRPr lang="en-US"/>
           </a:p>
@@ -2564,7 +2570,7 @@
           <a:p>
             <a:fld id="{4E223589-D1FE-5045-809F-56B69D3AD8BF}" type="datetimeFigureOut">
               <a:rPr lang="en-US" smtClean="0"/>
-              <a:t>9/15/18</a:t>
+              <a:t>1/24/19</a:t>
             </a:fld>
             <a:endParaRPr lang="en-US"/>
           </a:p>
@@ -3025,7 +3031,7 @@
     </p:spTree>
     <p:extLst>
       <p:ext uri="{BB962C8B-B14F-4D97-AF65-F5344CB8AC3E}">
-        <p14:creationId xmlns:p14="http://schemas.microsoft.com/office/powerpoint/2010/main" val="952149685"/>
+        <p14:creationId xmlns:p14="http://schemas.microsoft.com/office/powerpoint/2010/main" val="3609358846"/>
       </p:ext>
     </p:extLst>
   </p:cSld>
@@ -3094,8 +3100,8 @@
         </p:nvSpPr>
         <p:spPr>
           <a:xfrm>
-            <a:off x="136602" y="2118259"/>
-            <a:ext cx="8870795" cy="3416320"/>
+            <a:off x="136602" y="1690689"/>
+            <a:ext cx="8870795" cy="4247317"/>
           </a:xfrm>
           <a:prstGeom prst="rect">
             <a:avLst/>
@@ -3108,191 +3114,100 @@
           <a:lstStyle/>
           <a:p>
             <a:r>
-              <a:rPr lang="en-US" dirty="0">
-                <a:latin typeface="Calibri" panose="020F0502020204030204" pitchFamily="34" charset="0"/>
-                <a:ea typeface="Calibri" panose="020F0502020204030204" pitchFamily="34" charset="0"/>
-                <a:cs typeface="Times New Roman" panose="02020603050405020304" pitchFamily="18" charset="0"/>
-              </a:rPr>
-              <a:t>Groups of 3 or 4</a:t>
-            </a:r>
-          </a:p>
-          <a:p>
-            <a:pPr indent="457200"/>
-            <a:r>
-              <a:rPr lang="en-US" dirty="0">
-                <a:latin typeface="Calibri" panose="020F0502020204030204" pitchFamily="34" charset="0"/>
-                <a:ea typeface="Calibri" panose="020F0502020204030204" pitchFamily="34" charset="0"/>
-                <a:cs typeface="Times New Roman" panose="02020603050405020304" pitchFamily="18" charset="0"/>
-              </a:rPr>
+              <a:rPr lang="en-US" dirty="0"/>
+              <a:t>Groups of 2 or 3</a:t>
+            </a:r>
+          </a:p>
+          <a:p>
+            <a:r>
+              <a:rPr lang="en-US" dirty="0"/>
               <a:t>**Help each other through any questions that may come up.**</a:t>
             </a:r>
           </a:p>
           <a:p>
             <a:r>
-              <a:rPr lang="en-US" dirty="0">
-                <a:latin typeface="Calibri" panose="020F0502020204030204" pitchFamily="34" charset="0"/>
-                <a:ea typeface="Calibri" panose="020F0502020204030204" pitchFamily="34" charset="0"/>
-                <a:cs typeface="Times New Roman" panose="02020603050405020304" pitchFamily="18" charset="0"/>
-              </a:rPr>
+              <a:rPr lang="en-US" dirty="0"/>
               <a:t>	For each person in your group: </a:t>
             </a:r>
           </a:p>
           <a:p>
-            <a:pPr marL="457200" marR="0" indent="457200">
-              <a:spcBef>
-                <a:spcPts val="0"/>
-              </a:spcBef>
-              <a:spcAft>
-                <a:spcPts val="0"/>
-              </a:spcAft>
-            </a:pPr>
-            <a:r>
-              <a:rPr lang="en-US" dirty="0">
-                <a:latin typeface="Calibri" panose="020F0502020204030204" pitchFamily="34" charset="0"/>
-                <a:ea typeface="Calibri" panose="020F0502020204030204" pitchFamily="34" charset="0"/>
-                <a:cs typeface="Times New Roman" panose="02020603050405020304" pitchFamily="18" charset="0"/>
-              </a:rPr>
-              <a:t>Fork each person’s repository.</a:t>
-            </a:r>
-          </a:p>
-          <a:p>
-            <a:r>
-              <a:rPr lang="en-US" dirty="0">
-                <a:latin typeface="Calibri" panose="020F0502020204030204" pitchFamily="34" charset="0"/>
-                <a:ea typeface="Calibri" panose="020F0502020204030204" pitchFamily="34" charset="0"/>
-                <a:cs typeface="Times New Roman" panose="02020603050405020304" pitchFamily="18" charset="0"/>
-              </a:rPr>
-              <a:t>		Change their code to </a:t>
-            </a:r>
-            <a:r>
-              <a:rPr lang="en-US" b="1" i="1" dirty="0">
-                <a:latin typeface="Calibri" panose="020F0502020204030204" pitchFamily="34" charset="0"/>
-                <a:ea typeface="Calibri" panose="020F0502020204030204" pitchFamily="34" charset="0"/>
-                <a:cs typeface="Times New Roman" panose="02020603050405020304" pitchFamily="18" charset="0"/>
-              </a:rPr>
-              <a:t>add</a:t>
-            </a:r>
-            <a:r>
-              <a:rPr lang="en-US" dirty="0">
-                <a:latin typeface="Calibri" panose="020F0502020204030204" pitchFamily="34" charset="0"/>
-                <a:ea typeface="Calibri" panose="020F0502020204030204" pitchFamily="34" charset="0"/>
-                <a:cs typeface="Times New Roman" panose="02020603050405020304" pitchFamily="18" charset="0"/>
-              </a:rPr>
-              <a:t> </a:t>
-            </a:r>
-            <a:r>
-              <a:rPr lang="en-US" b="1" i="1" dirty="0">
-                <a:latin typeface="Calibri" panose="020F0502020204030204" pitchFamily="34" charset="0"/>
-                <a:ea typeface="Calibri" panose="020F0502020204030204" pitchFamily="34" charset="0"/>
-                <a:cs typeface="Times New Roman" panose="02020603050405020304" pitchFamily="18" charset="0"/>
-              </a:rPr>
-              <a:t>(do not delete other names</a:t>
-            </a:r>
-            <a:r>
-              <a:rPr lang="en-US" dirty="0">
-                <a:latin typeface="Calibri" panose="020F0502020204030204" pitchFamily="34" charset="0"/>
-                <a:ea typeface="Calibri" panose="020F0502020204030204" pitchFamily="34" charset="0"/>
-                <a:cs typeface="Times New Roman" panose="02020603050405020304" pitchFamily="18" charset="0"/>
-              </a:rPr>
-              <a:t>) your name.</a:t>
-            </a:r>
-          </a:p>
-          <a:p>
-            <a:pPr marL="457200" marR="0" indent="457200">
-              <a:spcBef>
-                <a:spcPts val="0"/>
-              </a:spcBef>
-              <a:spcAft>
-                <a:spcPts val="0"/>
-              </a:spcAft>
-            </a:pPr>
-            <a:r>
-              <a:rPr lang="en-US" dirty="0">
-                <a:latin typeface="Calibri" panose="020F0502020204030204" pitchFamily="34" charset="0"/>
-                <a:ea typeface="Calibri" panose="020F0502020204030204" pitchFamily="34" charset="0"/>
-                <a:cs typeface="Times New Roman" panose="02020603050405020304" pitchFamily="18" charset="0"/>
-              </a:rPr>
+            <a:r>
+              <a:rPr lang="en-US" dirty="0"/>
+              <a:t>Fork (not Clone) each person’s repository.</a:t>
+            </a:r>
+          </a:p>
+          <a:p>
+            <a:r>
+              <a:rPr lang="en-US" dirty="0"/>
+              <a:t>	Add your name to their “BreakOut1” file. </a:t>
+            </a:r>
+            <a:r>
+              <a:rPr lang="en-US" b="1" i="1" dirty="0"/>
+              <a:t>(just add; do not delete other names</a:t>
+            </a:r>
+            <a:r>
+              <a:rPr lang="en-US" dirty="0"/>
+              <a:t>).</a:t>
+            </a:r>
+          </a:p>
+          <a:p>
+            <a:r>
+              <a:rPr lang="en-US" dirty="0"/>
               <a:t>Commit your changes</a:t>
             </a:r>
           </a:p>
           <a:p>
-            <a:pPr marL="457200" marR="0" indent="457200">
-              <a:spcBef>
-                <a:spcPts val="0"/>
-              </a:spcBef>
-              <a:spcAft>
-                <a:spcPts val="0"/>
-              </a:spcAft>
-            </a:pPr>
-            <a:r>
-              <a:rPr lang="en-US" dirty="0">
-                <a:latin typeface="Calibri" panose="020F0502020204030204" pitchFamily="34" charset="0"/>
-                <a:ea typeface="Calibri" panose="020F0502020204030204" pitchFamily="34" charset="0"/>
-                <a:cs typeface="Times New Roman" panose="02020603050405020304" pitchFamily="18" charset="0"/>
-              </a:rPr>
+            <a:r>
+              <a:rPr lang="en-US" dirty="0"/>
               <a:t>Create a pull request to have the owner merge your changes.  </a:t>
             </a:r>
           </a:p>
           <a:p>
-            <a:pPr indent="457200"/>
-            <a:r>
-              <a:rPr lang="en-US" dirty="0">
-                <a:latin typeface="Calibri" panose="020F0502020204030204" pitchFamily="34" charset="0"/>
-                <a:ea typeface="Calibri" panose="020F0502020204030204" pitchFamily="34" charset="0"/>
-                <a:cs typeface="Times New Roman" panose="02020603050405020304" pitchFamily="18" charset="0"/>
-              </a:rPr>
+            <a:r>
+              <a:rPr lang="en-US" dirty="0"/>
               <a:t>Go to your repository and accept your breakout group member’s proposed changes.  </a:t>
             </a:r>
           </a:p>
           <a:p>
-            <a:pPr indent="457200"/>
-            <a:r>
-              <a:rPr lang="en-US" dirty="0">
-                <a:latin typeface="Calibri" panose="020F0502020204030204" pitchFamily="34" charset="0"/>
-                <a:ea typeface="Calibri" panose="020F0502020204030204" pitchFamily="34" charset="0"/>
-                <a:cs typeface="Times New Roman" panose="02020603050405020304" pitchFamily="18" charset="0"/>
-              </a:rPr>
+            <a:r>
+              <a:rPr lang="en-US" dirty="0"/>
               <a:t>Depending on if you added it to the same line or if multiple members added their name </a:t>
             </a:r>
           </a:p>
           <a:p>
-            <a:pPr marL="457200" marR="0" indent="457200">
-              <a:spcBef>
-                <a:spcPts val="0"/>
-              </a:spcBef>
-              <a:spcAft>
-                <a:spcPts val="0"/>
-              </a:spcAft>
-            </a:pPr>
-            <a:r>
-              <a:rPr lang="en-US" dirty="0">
-                <a:latin typeface="Calibri" panose="020F0502020204030204" pitchFamily="34" charset="0"/>
-                <a:ea typeface="Calibri" panose="020F0502020204030204" pitchFamily="34" charset="0"/>
-                <a:cs typeface="Times New Roman" panose="02020603050405020304" pitchFamily="18" charset="0"/>
-              </a:rPr>
+            <a:r>
+              <a:rPr lang="en-US" dirty="0"/>
               <a:t>to the same line you may need to Resolve some issues. </a:t>
             </a:r>
           </a:p>
           <a:p>
-            <a:pPr indent="457200"/>
-            <a:r>
-              <a:rPr lang="en-US" dirty="0">
-                <a:latin typeface="Calibri" panose="020F0502020204030204" pitchFamily="34" charset="0"/>
-                <a:ea typeface="Calibri" panose="020F0502020204030204" pitchFamily="34" charset="0"/>
-                <a:cs typeface="Times New Roman" panose="02020603050405020304" pitchFamily="18" charset="0"/>
-              </a:rPr>
+            <a:r>
+              <a:rPr lang="en-US" dirty="0"/>
               <a:t>**Help each other through any questions that may come up.**</a:t>
             </a:r>
           </a:p>
           <a:p>
-            <a:pPr indent="457200"/>
-            <a:r>
-              <a:rPr lang="en-US" dirty="0">
-                <a:latin typeface="Calibri" panose="020F0502020204030204" pitchFamily="34" charset="0"/>
-                <a:ea typeface="Calibri" panose="020F0502020204030204" pitchFamily="34" charset="0"/>
-                <a:cs typeface="Times New Roman" panose="02020603050405020304" pitchFamily="18" charset="0"/>
-              </a:rPr>
+            <a:r>
+              <a:rPr lang="en-US" dirty="0"/>
               <a:t>At the end of Breakout you should have a file that has everyone’s name!</a:t>
+            </a:r>
+          </a:p>
+          <a:p>
+            <a:r>
+              <a:rPr lang="en-US" dirty="0"/>
+              <a:t> </a:t>
+            </a:r>
+          </a:p>
+          <a:p>
+            <a:r>
+              <a:rPr lang="en-US" dirty="0"/>
+              <a:t>	Finally, fork my Unit-3-Repo and add your name to BreakOut1 file.  </a:t>
+            </a:r>
+          </a:p>
+          <a:p>
+            <a:r>
+              <a:rPr lang="en-US" dirty="0"/>
+              <a:t>	Commit your changes and create a pull request.  </a:t>
             </a:r>
           </a:p>
         </p:txBody>
@@ -3300,7 +3215,7 @@
     </p:spTree>
     <p:extLst>
       <p:ext uri="{BB962C8B-B14F-4D97-AF65-F5344CB8AC3E}">
-        <p14:creationId xmlns:p14="http://schemas.microsoft.com/office/powerpoint/2010/main" val="2037271123"/>
+        <p14:creationId xmlns:p14="http://schemas.microsoft.com/office/powerpoint/2010/main" val="4222976267"/>
       </p:ext>
     </p:extLst>
   </p:cSld>
@@ -3369,8 +3284,8 @@
         </p:nvSpPr>
         <p:spPr>
           <a:xfrm>
-            <a:off x="446049" y="2942130"/>
-            <a:ext cx="8251901" cy="1200329"/>
+            <a:off x="122663" y="2942130"/>
+            <a:ext cx="8876371" cy="1477328"/>
           </a:xfrm>
           <a:prstGeom prst="rect">
             <a:avLst/>
@@ -3383,66 +3298,41 @@
           <a:lstStyle/>
           <a:p>
             <a:r>
-              <a:rPr lang="en-US" dirty="0">
-                <a:latin typeface="Calibri" panose="020F0502020204030204" pitchFamily="34" charset="0"/>
-                <a:ea typeface="Calibri" panose="020F0502020204030204" pitchFamily="34" charset="0"/>
-                <a:cs typeface="Times New Roman" panose="02020603050405020304" pitchFamily="18" charset="0"/>
-              </a:rPr>
-              <a:t>Fork the </a:t>
-            </a:r>
-            <a:r>
-              <a:rPr lang="en-US" dirty="0" err="1">
-                <a:latin typeface="Calibri" panose="020F0502020204030204" pitchFamily="34" charset="0"/>
-                <a:ea typeface="Calibri" panose="020F0502020204030204" pitchFamily="34" charset="0"/>
-                <a:cs typeface="Times New Roman" panose="02020603050405020304" pitchFamily="18" charset="0"/>
-              </a:rPr>
-              <a:t>BivinSadler</a:t>
-            </a:r>
-            <a:r>
-              <a:rPr lang="en-US" dirty="0">
-                <a:latin typeface="Calibri" panose="020F0502020204030204" pitchFamily="34" charset="0"/>
-                <a:ea typeface="Calibri" panose="020F0502020204030204" pitchFamily="34" charset="0"/>
-                <a:cs typeface="Times New Roman" panose="02020603050405020304" pitchFamily="18" charset="0"/>
-              </a:rPr>
-              <a:t>/Unit-3-Repo Repository</a:t>
-            </a:r>
-          </a:p>
-          <a:p>
-            <a:r>
-              <a:rPr lang="en-US" dirty="0">
-                <a:latin typeface="Calibri" panose="020F0502020204030204" pitchFamily="34" charset="0"/>
-                <a:ea typeface="Calibri" panose="020F0502020204030204" pitchFamily="34" charset="0"/>
-                <a:cs typeface="Times New Roman" panose="02020603050405020304" pitchFamily="18" charset="0"/>
-              </a:rPr>
-              <a:t>	Look at / run the R code</a:t>
-            </a:r>
-          </a:p>
-          <a:p>
-            <a:r>
-              <a:rPr lang="en-US" dirty="0">
-                <a:latin typeface="Calibri" panose="020F0502020204030204" pitchFamily="34" charset="0"/>
-                <a:ea typeface="Calibri" panose="020F0502020204030204" pitchFamily="34" charset="0"/>
-                <a:cs typeface="Times New Roman" panose="02020603050405020304" pitchFamily="18" charset="0"/>
-              </a:rPr>
+              <a:rPr lang="en-US" dirty="0"/>
+              <a:t>Fork the “Unit-3-Repo” Repository</a:t>
+            </a:r>
+          </a:p>
+          <a:p>
+            <a:r>
+              <a:rPr lang="en-US" dirty="0"/>
+              <a:t>	Look at and attempt to run the R code: (LiveSession3RCodeCLTFunctionWErrors.R)</a:t>
+            </a:r>
+          </a:p>
+          <a:p>
+            <a:r>
+              <a:rPr lang="en-US" dirty="0"/>
               <a:t>	Discuss what the possible fix should be.</a:t>
             </a:r>
           </a:p>
           <a:p>
             <a:r>
-              <a:rPr lang="en-US" dirty="0">
-                <a:latin typeface="Calibri" panose="020F0502020204030204" pitchFamily="34" charset="0"/>
-                <a:ea typeface="Calibri" panose="020F0502020204030204" pitchFamily="34" charset="0"/>
-                <a:cs typeface="Times New Roman" panose="02020603050405020304" pitchFamily="18" charset="0"/>
-              </a:rPr>
+              <a:rPr lang="en-US" dirty="0"/>
               <a:t>	Each member should fix the code, commit and make a pull request.</a:t>
             </a:r>
+          </a:p>
+          <a:p>
+            <a:endParaRPr lang="en-US" dirty="0">
+              <a:latin typeface="Calibri" panose="020F0502020204030204" pitchFamily="34" charset="0"/>
+              <a:ea typeface="Calibri" panose="020F0502020204030204" pitchFamily="34" charset="0"/>
+              <a:cs typeface="Times New Roman" panose="02020603050405020304" pitchFamily="18" charset="0"/>
+            </a:endParaRPr>
           </a:p>
         </p:txBody>
       </p:sp>
     </p:spTree>
     <p:extLst>
       <p:ext uri="{BB962C8B-B14F-4D97-AF65-F5344CB8AC3E}">
-        <p14:creationId xmlns:p14="http://schemas.microsoft.com/office/powerpoint/2010/main" val="1319435459"/>
+        <p14:creationId xmlns:p14="http://schemas.microsoft.com/office/powerpoint/2010/main" val="3066159338"/>
       </p:ext>
     </p:extLst>
   </p:cSld>
@@ -3511,8 +3401,8 @@
         </p:nvSpPr>
         <p:spPr>
           <a:xfrm>
-            <a:off x="-167270" y="2374738"/>
-            <a:ext cx="8987883" cy="3139321"/>
+            <a:off x="78058" y="1806026"/>
+            <a:ext cx="8987883" cy="3693319"/>
           </a:xfrm>
           <a:prstGeom prst="rect">
             <a:avLst/>
@@ -3525,221 +3415,260 @@
           <a:lstStyle/>
           <a:p>
             <a:r>
+              <a:rPr lang="en-US" dirty="0"/>
+              <a:t>Create a group name!</a:t>
+            </a:r>
+          </a:p>
+          <a:p>
+            <a:r>
+              <a:rPr lang="en-US" dirty="0"/>
+              <a:t>Use R Studio and the GitHub HTTPS URL to clone your copy of the Unit-3-Repo repository.  </a:t>
+            </a:r>
+          </a:p>
+          <a:p>
+            <a:r>
+              <a:rPr lang="en-US" dirty="0"/>
+              <a:t>Use </a:t>
+            </a:r>
+            <a:r>
+              <a:rPr lang="en-US" dirty="0" err="1"/>
+              <a:t>Rstudio</a:t>
+            </a:r>
+            <a:r>
+              <a:rPr lang="en-US" dirty="0"/>
+              <a:t> to adapt the code in the </a:t>
+            </a:r>
+            <a:r>
+              <a:rPr lang="en-US" dirty="0" err="1"/>
+              <a:t>Rmarkdown</a:t>
+            </a:r>
+            <a:r>
+              <a:rPr lang="en-US" dirty="0"/>
+              <a:t> file Breakout3.rmd to conduct a t test (only provide step 6: the conclusion) to answer the following question: </a:t>
+            </a:r>
+          </a:p>
+          <a:p>
+            <a:r>
+              <a:rPr lang="en-US" i="1" dirty="0"/>
+              <a:t>Is there evidence to suggest the mean score of the miles per gallon (mpg) for the low horse power group is greater than the mean mpg of the high horse power group.</a:t>
+            </a:r>
+            <a:r>
+              <a:rPr lang="en-US" dirty="0"/>
+              <a:t>  The code uses a two sided test to make this one sided conclusion.  Please quantify your uncertainty (include a confidence interval) in your conclusion.  </a:t>
+            </a:r>
+            <a:r>
+              <a:rPr lang="en-US" i="1" dirty="0"/>
+              <a:t>(You may assume the assumptions are met.)</a:t>
+            </a:r>
+            <a:endParaRPr lang="en-US" dirty="0"/>
+          </a:p>
+          <a:p>
+            <a:r>
+              <a:rPr lang="en-US" dirty="0"/>
+              <a:t>Put your R Code and the conclusion (as a comment) in a file in your forked repository. </a:t>
+            </a:r>
+          </a:p>
+          <a:p>
+            <a:r>
+              <a:rPr lang="en-US" dirty="0"/>
+              <a:t>Knit the </a:t>
+            </a:r>
+            <a:r>
+              <a:rPr lang="en-US" dirty="0" err="1"/>
+              <a:t>Rmarkdown</a:t>
+            </a:r>
+            <a:r>
+              <a:rPr lang="en-US" dirty="0"/>
+              <a:t> file as a HTML document and name this file: Breakout3_X.html where X is your group name.  </a:t>
+            </a:r>
+          </a:p>
+          <a:p>
+            <a:r>
+              <a:rPr lang="en-US" dirty="0"/>
+              <a:t>Have ONE of your group members commit the changes and make a pull request.</a:t>
+            </a:r>
+            <a:endParaRPr lang="en-US" dirty="0">
+              <a:latin typeface="Calibri" panose="020F0502020204030204" pitchFamily="34" charset="0"/>
+              <a:cs typeface="Times New Roman" panose="02020603050405020304" pitchFamily="18" charset="0"/>
+            </a:endParaRPr>
+          </a:p>
+          <a:p>
+            <a:r>
               <a:rPr lang="en-US" dirty="0">
                 <a:latin typeface="Calibri" panose="020F0502020204030204" pitchFamily="34" charset="0"/>
-                <a:ea typeface="Calibri" panose="020F0502020204030204" pitchFamily="34" charset="0"/>
                 <a:cs typeface="Times New Roman" panose="02020603050405020304" pitchFamily="18" charset="0"/>
               </a:rPr>
-              <a:t>	Create a group name!</a:t>
-            </a:r>
-          </a:p>
-          <a:p>
-            <a:pPr indent="457200"/>
-            <a:r>
-              <a:rPr lang="en-US" dirty="0">
-                <a:latin typeface="Calibri" panose="020F0502020204030204" pitchFamily="34" charset="0"/>
-                <a:ea typeface="Calibri" panose="020F0502020204030204" pitchFamily="34" charset="0"/>
-                <a:cs typeface="Times New Roman" panose="02020603050405020304" pitchFamily="18" charset="0"/>
-              </a:rPr>
-              <a:t>Get the GitHub URL to the </a:t>
-            </a:r>
-            <a:r>
-              <a:rPr lang="en-US" b="1" dirty="0">
-                <a:latin typeface="Calibri" panose="020F0502020204030204" pitchFamily="34" charset="0"/>
-                <a:ea typeface="Calibri" panose="020F0502020204030204" pitchFamily="34" charset="0"/>
-                <a:cs typeface="Times New Roman" panose="02020603050405020304" pitchFamily="18" charset="0"/>
-              </a:rPr>
-              <a:t>RAW</a:t>
-            </a:r>
-            <a:r>
-              <a:rPr lang="en-US" dirty="0">
-                <a:latin typeface="Calibri" panose="020F0502020204030204" pitchFamily="34" charset="0"/>
-                <a:ea typeface="Calibri" panose="020F0502020204030204" pitchFamily="34" charset="0"/>
-                <a:cs typeface="Times New Roman" panose="02020603050405020304" pitchFamily="18" charset="0"/>
-              </a:rPr>
-              <a:t> Education data.  </a:t>
-            </a:r>
-          </a:p>
-          <a:p>
-            <a:pPr indent="457200"/>
-            <a:r>
-              <a:rPr lang="en-US" dirty="0">
-                <a:latin typeface="Calibri" panose="020F0502020204030204" pitchFamily="34" charset="0"/>
-                <a:ea typeface="Calibri" panose="020F0502020204030204" pitchFamily="34" charset="0"/>
-                <a:cs typeface="Times New Roman" panose="02020603050405020304" pitchFamily="18" charset="0"/>
-              </a:rPr>
-              <a:t>	(Very Important … the URL to the </a:t>
-            </a:r>
-            <a:r>
-              <a:rPr lang="en-US" b="1" dirty="0">
-                <a:latin typeface="Calibri" panose="020F0502020204030204" pitchFamily="34" charset="0"/>
-                <a:ea typeface="Calibri" panose="020F0502020204030204" pitchFamily="34" charset="0"/>
-                <a:cs typeface="Times New Roman" panose="02020603050405020304" pitchFamily="18" charset="0"/>
-              </a:rPr>
-              <a:t>RAW</a:t>
-            </a:r>
-            <a:r>
-              <a:rPr lang="en-US" dirty="0">
-                <a:latin typeface="Calibri" panose="020F0502020204030204" pitchFamily="34" charset="0"/>
-                <a:ea typeface="Calibri" panose="020F0502020204030204" pitchFamily="34" charset="0"/>
-                <a:cs typeface="Times New Roman" panose="02020603050405020304" pitchFamily="18" charset="0"/>
-              </a:rPr>
-              <a:t> data.)</a:t>
-            </a:r>
-          </a:p>
-          <a:p>
-            <a:pPr indent="457200"/>
-            <a:r>
-              <a:rPr lang="en-US" dirty="0">
-                <a:latin typeface="Calibri" panose="020F0502020204030204" pitchFamily="34" charset="0"/>
-                <a:ea typeface="Calibri" panose="020F0502020204030204" pitchFamily="34" charset="0"/>
-                <a:cs typeface="Times New Roman" panose="02020603050405020304" pitchFamily="18" charset="0"/>
-              </a:rPr>
-              <a:t>Use R Studio and the </a:t>
-            </a:r>
-            <a:r>
-              <a:rPr lang="en-US" dirty="0" err="1">
-                <a:latin typeface="Calibri" panose="020F0502020204030204" pitchFamily="34" charset="0"/>
-                <a:ea typeface="Calibri" panose="020F0502020204030204" pitchFamily="34" charset="0"/>
-                <a:cs typeface="Times New Roman" panose="02020603050405020304" pitchFamily="18" charset="0"/>
-              </a:rPr>
-              <a:t>repmis</a:t>
-            </a:r>
-            <a:r>
-              <a:rPr lang="en-US" dirty="0">
-                <a:latin typeface="Calibri" panose="020F0502020204030204" pitchFamily="34" charset="0"/>
-                <a:ea typeface="Calibri" panose="020F0502020204030204" pitchFamily="34" charset="0"/>
-                <a:cs typeface="Times New Roman" panose="02020603050405020304" pitchFamily="18" charset="0"/>
-              </a:rPr>
-              <a:t> package to pull the data into R.  </a:t>
-            </a:r>
-          </a:p>
-          <a:p>
-            <a:pPr marL="457200" marR="0">
-              <a:spcBef>
-                <a:spcPts val="0"/>
-              </a:spcBef>
-              <a:spcAft>
-                <a:spcPts val="0"/>
-              </a:spcAft>
-            </a:pPr>
-            <a:r>
-              <a:rPr lang="en-US" dirty="0">
-                <a:latin typeface="Calibri" panose="020F0502020204030204" pitchFamily="34" charset="0"/>
-                <a:ea typeface="Calibri" panose="020F0502020204030204" pitchFamily="34" charset="0"/>
-                <a:cs typeface="Times New Roman" panose="02020603050405020304" pitchFamily="18" charset="0"/>
-              </a:rPr>
-              <a:t>Use </a:t>
-            </a:r>
-            <a:r>
-              <a:rPr lang="en-US" dirty="0" err="1">
-                <a:latin typeface="Calibri" panose="020F0502020204030204" pitchFamily="34" charset="0"/>
-                <a:ea typeface="Calibri" panose="020F0502020204030204" pitchFamily="34" charset="0"/>
-                <a:cs typeface="Times New Roman" panose="02020603050405020304" pitchFamily="18" charset="0"/>
-              </a:rPr>
-              <a:t>t.test</a:t>
-            </a:r>
-            <a:r>
-              <a:rPr lang="en-US" dirty="0">
-                <a:latin typeface="Calibri" panose="020F0502020204030204" pitchFamily="34" charset="0"/>
-                <a:ea typeface="Calibri" panose="020F0502020204030204" pitchFamily="34" charset="0"/>
-                <a:cs typeface="Times New Roman" panose="02020603050405020304" pitchFamily="18" charset="0"/>
-              </a:rPr>
-              <a:t> to conduct a t test (only provide step 6: the conclusion) to answer the following question: </a:t>
-            </a:r>
-          </a:p>
-          <a:p>
-            <a:pPr marL="914400" marR="0">
-              <a:spcBef>
-                <a:spcPts val="0"/>
-              </a:spcBef>
-              <a:spcAft>
-                <a:spcPts val="0"/>
-              </a:spcAft>
-            </a:pPr>
-            <a:r>
-              <a:rPr lang="en-US" i="1" dirty="0">
-                <a:latin typeface="Calibri" panose="020F0502020204030204" pitchFamily="34" charset="0"/>
-                <a:ea typeface="Calibri" panose="020F0502020204030204" pitchFamily="34" charset="0"/>
-                <a:cs typeface="Times New Roman" panose="02020603050405020304" pitchFamily="18" charset="0"/>
-              </a:rPr>
-              <a:t>Is there evidence to suggest the mean score of the grade 16 group is greater than the mean score of the grade 12 group.</a:t>
-            </a:r>
-            <a:r>
-              <a:rPr lang="en-US" dirty="0">
-                <a:latin typeface="Calibri" panose="020F0502020204030204" pitchFamily="34" charset="0"/>
-                <a:ea typeface="Calibri" panose="020F0502020204030204" pitchFamily="34" charset="0"/>
-                <a:cs typeface="Times New Roman" panose="02020603050405020304" pitchFamily="18" charset="0"/>
-              </a:rPr>
-              <a:t>  </a:t>
-            </a:r>
-            <a:r>
-              <a:rPr lang="en-US" i="1" dirty="0">
-                <a:latin typeface="Calibri" panose="020F0502020204030204" pitchFamily="34" charset="0"/>
-                <a:ea typeface="Calibri" panose="020F0502020204030204" pitchFamily="34" charset="0"/>
-                <a:cs typeface="Times New Roman" panose="02020603050405020304" pitchFamily="18" charset="0"/>
-              </a:rPr>
-              <a:t>(You may assume the assumptions are met.)</a:t>
-            </a:r>
-            <a:endParaRPr lang="en-US" dirty="0">
-              <a:latin typeface="Calibri" panose="020F0502020204030204" pitchFamily="34" charset="0"/>
-              <a:ea typeface="Calibri" panose="020F0502020204030204" pitchFamily="34" charset="0"/>
-              <a:cs typeface="Times New Roman" panose="02020603050405020304" pitchFamily="18" charset="0"/>
-            </a:endParaRPr>
-          </a:p>
-          <a:p>
-            <a:r>
-              <a:rPr lang="en-US" dirty="0">
-                <a:latin typeface="Calibri" panose="020F0502020204030204" pitchFamily="34" charset="0"/>
-                <a:ea typeface="Calibri" panose="020F0502020204030204" pitchFamily="34" charset="0"/>
-                <a:cs typeface="Times New Roman" panose="02020603050405020304" pitchFamily="18" charset="0"/>
-              </a:rPr>
-              <a:t>	Put you R Code and the conclusion (as a comment) in a file in your forked repository. </a:t>
-            </a:r>
-          </a:p>
-          <a:p>
-            <a:pPr indent="457200"/>
-            <a:r>
-              <a:rPr lang="en-US" dirty="0">
-                <a:latin typeface="Calibri" panose="020F0502020204030204" pitchFamily="34" charset="0"/>
-                <a:ea typeface="Calibri" panose="020F0502020204030204" pitchFamily="34" charset="0"/>
-                <a:cs typeface="Times New Roman" panose="02020603050405020304" pitchFamily="18" charset="0"/>
-              </a:rPr>
-              <a:t>Call it “</a:t>
-            </a:r>
-            <a:r>
-              <a:rPr lang="en-US" dirty="0" err="1">
-                <a:latin typeface="Calibri" panose="020F0502020204030204" pitchFamily="34" charset="0"/>
-                <a:ea typeface="Calibri" panose="020F0502020204030204" pitchFamily="34" charset="0"/>
-                <a:cs typeface="Times New Roman" panose="02020603050405020304" pitchFamily="18" charset="0"/>
-              </a:rPr>
-              <a:t>Education_ConclusionX.R</a:t>
-            </a:r>
-            <a:r>
-              <a:rPr lang="en-US" dirty="0">
-                <a:latin typeface="Calibri" panose="020F0502020204030204" pitchFamily="34" charset="0"/>
-                <a:ea typeface="Calibri" panose="020F0502020204030204" pitchFamily="34" charset="0"/>
-                <a:cs typeface="Times New Roman" panose="02020603050405020304" pitchFamily="18" charset="0"/>
-              </a:rPr>
-              <a:t>”. (Where X is your group name!)</a:t>
-            </a:r>
-          </a:p>
-          <a:p>
-            <a:r>
-              <a:rPr lang="en-US" dirty="0">
-                <a:latin typeface="Calibri" panose="020F0502020204030204" pitchFamily="34" charset="0"/>
-                <a:ea typeface="Calibri" panose="020F0502020204030204" pitchFamily="34" charset="0"/>
-                <a:cs typeface="Times New Roman" panose="02020603050405020304" pitchFamily="18" charset="0"/>
-              </a:rPr>
-              <a:t>	Make a pull request to merge your changes. </a:t>
-            </a:r>
+              <a:t>We will go over the/your solution after the breakout!</a:t>
+            </a:r>
+            <a:endParaRPr lang="en-US" dirty="0"/>
           </a:p>
         </p:txBody>
       </p:sp>
     </p:spTree>
     <p:extLst>
       <p:ext uri="{BB962C8B-B14F-4D97-AF65-F5344CB8AC3E}">
-        <p14:creationId xmlns:p14="http://schemas.microsoft.com/office/powerpoint/2010/main" val="1185949797"/>
+        <p14:creationId xmlns:p14="http://schemas.microsoft.com/office/powerpoint/2010/main" val="1496962937"/>
+      </p:ext>
+    </p:extLst>
+  </p:cSld>
+  <p:clrMapOvr>
+    <a:masterClrMapping/>
+  </p:clrMapOvr>
+</p:sld>
+</file>
+
+<file path=ppt/slides/slide5.xml><?xml version="1.0" encoding="utf-8"?>
+<p:sld xmlns:a="http://schemas.openxmlformats.org/drawingml/2006/main" xmlns:r="http://schemas.openxmlformats.org/officeDocument/2006/relationships" xmlns:p="http://schemas.openxmlformats.org/presentationml/2006/main">
+  <p:cSld>
+    <p:spTree>
+      <p:nvGrpSpPr>
+        <p:cNvPr id="1" name=""/>
+        <p:cNvGrpSpPr/>
+        <p:nvPr/>
+      </p:nvGrpSpPr>
+      <p:grpSpPr>
+        <a:xfrm>
+          <a:off x="0" y="0"/>
+          <a:ext cx="0" cy="0"/>
+          <a:chOff x="0" y="0"/>
+          <a:chExt cx="0" cy="0"/>
+        </a:xfrm>
+      </p:grpSpPr>
+      <p:sp>
+        <p:nvSpPr>
+          <p:cNvPr id="2" name="Title 1">
+            <a:extLst>
+              <a:ext uri="{FF2B5EF4-FFF2-40B4-BE49-F238E27FC236}">
+                <a16:creationId xmlns:a16="http://schemas.microsoft.com/office/drawing/2014/main" id="{11900AA1-8870-8F48-80DD-39E6D6CE3BA2}"/>
+              </a:ext>
+            </a:extLst>
+          </p:cNvPr>
+          <p:cNvSpPr>
+            <a:spLocks noGrp="1"/>
+          </p:cNvSpPr>
+          <p:nvPr>
+            <p:ph type="title"/>
+          </p:nvPr>
+        </p:nvSpPr>
+        <p:spPr/>
+        <p:txBody>
+          <a:bodyPr/>
+          <a:lstStyle/>
+          <a:p>
+            <a:r>
+              <a:rPr lang="en-US" dirty="0"/>
+              <a:t>Appendix</a:t>
+            </a:r>
+          </a:p>
+        </p:txBody>
+      </p:sp>
+      <p:sp>
+        <p:nvSpPr>
+          <p:cNvPr id="3" name="Content Placeholder 2">
+            <a:extLst>
+              <a:ext uri="{FF2B5EF4-FFF2-40B4-BE49-F238E27FC236}">
+                <a16:creationId xmlns:a16="http://schemas.microsoft.com/office/drawing/2014/main" id="{CD7D8A91-6AD2-1843-8544-F457494EA911}"/>
+              </a:ext>
+            </a:extLst>
+          </p:cNvPr>
+          <p:cNvSpPr>
+            <a:spLocks noGrp="1"/>
+          </p:cNvSpPr>
+          <p:nvPr>
+            <p:ph idx="1"/>
+          </p:nvPr>
+        </p:nvSpPr>
+        <p:spPr/>
+        <p:txBody>
+          <a:bodyPr/>
+          <a:lstStyle/>
+          <a:p>
+            <a:pPr marL="0" indent="0">
+              <a:buNone/>
+            </a:pPr>
+            <a:r>
+              <a:rPr lang="en-US" dirty="0"/>
+              <a:t>In order to view html files simply append this to the front of the URL that references the html file.</a:t>
+            </a:r>
+          </a:p>
+          <a:p>
+            <a:pPr marL="0" indent="0">
+              <a:buNone/>
+            </a:pPr>
+            <a:endParaRPr lang="en-US" dirty="0"/>
+          </a:p>
+          <a:p>
+            <a:pPr marL="0" indent="0">
+              <a:buNone/>
+            </a:pPr>
+            <a:r>
+              <a:rPr lang="en-US" dirty="0">
+                <a:hlinkClick r:id="rId2"/>
+              </a:rPr>
+              <a:t>http://htmlpreview.github.io/</a:t>
+            </a:r>
+            <a:r>
+              <a:rPr lang="en-US" dirty="0"/>
+              <a:t>?</a:t>
+            </a:r>
+          </a:p>
+          <a:p>
+            <a:pPr marL="0" indent="0">
+              <a:buNone/>
+            </a:pPr>
+            <a:endParaRPr lang="en-US" dirty="0"/>
+          </a:p>
+          <a:p>
+            <a:pPr marL="0" indent="0">
+              <a:buNone/>
+            </a:pPr>
+            <a:r>
+              <a:rPr lang="en-US" dirty="0"/>
+              <a:t>Example:</a:t>
+            </a:r>
+          </a:p>
+          <a:p>
+            <a:pPr marL="0" indent="0">
+              <a:buNone/>
+            </a:pPr>
+            <a:r>
+              <a:rPr lang="en-US" sz="2000" dirty="0">
+                <a:hlinkClick r:id="rId3"/>
+              </a:rPr>
+              <a:t>http://htmlpreview.github.io/?https://github.com/BivinSadler/UNIT-3-Repo/blob/master/Breakout3.html</a:t>
+            </a:r>
+            <a:endParaRPr lang="en-US" sz="2000" dirty="0"/>
+          </a:p>
+          <a:p>
+            <a:pPr marL="0" indent="0">
+              <a:buNone/>
+            </a:pPr>
+            <a:endParaRPr lang="en-US" sz="2000" dirty="0"/>
+          </a:p>
+          <a:p>
+            <a:pPr marL="0" indent="0">
+              <a:buNone/>
+            </a:pPr>
+            <a:endParaRPr lang="en-US" sz="2000" dirty="0"/>
+          </a:p>
+          <a:p>
+            <a:pPr marL="0" indent="0">
+              <a:buNone/>
+            </a:pPr>
+            <a:endParaRPr lang="en-US" sz="2000" dirty="0"/>
+          </a:p>
+          <a:p>
+            <a:pPr marL="0" indent="0">
+              <a:buNone/>
+            </a:pPr>
+            <a:endParaRPr lang="en-US" sz="2000" dirty="0"/>
+          </a:p>
+        </p:txBody>
+      </p:sp>
+    </p:spTree>
+    <p:extLst>
+      <p:ext uri="{BB962C8B-B14F-4D97-AF65-F5344CB8AC3E}">
+        <p14:creationId xmlns:p14="http://schemas.microsoft.com/office/powerpoint/2010/main" val="2118686480"/>
       </p:ext>
     </p:extLst>
   </p:cSld>
